--- a/Gestion de projet & rapport projet Robot R2D2/docs divers/Organigramme de fonctionnement.pptx
+++ b/Gestion de projet & rapport projet Robot R2D2/docs divers/Organigramme de fonctionnement.pptx
@@ -104,6 +104,11 @@
       </a:defRPr>
     </a:lvl9pPr>
   </p:defaultTextStyle>
+  <p:extLst>
+    <p:ext uri="{EFAFB233-063F-42B5-8137-9DF3F51BA10A}">
+      <p15:sldGuideLst xmlns:p15="http://schemas.microsoft.com/office/powerpoint/2012/main"/>
+    </p:ext>
+  </p:extLst>
 </p:presentation>
 </file>
 
@@ -238,7 +243,7 @@
           <a:p>
             <a:fld id="{62CB7080-7913-46D0-A1AB-EA27E3AD0FD3}" type="datetimeFigureOut">
               <a:rPr lang="fr-FR" smtClean="0"/>
-              <a:t>08/01/2016</a:t>
+              <a:t>23/02/2016</a:t>
             </a:fld>
             <a:endParaRPr lang="fr-FR"/>
           </a:p>
@@ -408,7 +413,7 @@
           <a:p>
             <a:fld id="{62CB7080-7913-46D0-A1AB-EA27E3AD0FD3}" type="datetimeFigureOut">
               <a:rPr lang="fr-FR" smtClean="0"/>
-              <a:t>08/01/2016</a:t>
+              <a:t>23/02/2016</a:t>
             </a:fld>
             <a:endParaRPr lang="fr-FR"/>
           </a:p>
@@ -588,7 +593,7 @@
           <a:p>
             <a:fld id="{62CB7080-7913-46D0-A1AB-EA27E3AD0FD3}" type="datetimeFigureOut">
               <a:rPr lang="fr-FR" smtClean="0"/>
-              <a:t>08/01/2016</a:t>
+              <a:t>23/02/2016</a:t>
             </a:fld>
             <a:endParaRPr lang="fr-FR"/>
           </a:p>
@@ -758,7 +763,7 @@
           <a:p>
             <a:fld id="{62CB7080-7913-46D0-A1AB-EA27E3AD0FD3}" type="datetimeFigureOut">
               <a:rPr lang="fr-FR" smtClean="0"/>
-              <a:t>08/01/2016</a:t>
+              <a:t>23/02/2016</a:t>
             </a:fld>
             <a:endParaRPr lang="fr-FR"/>
           </a:p>
@@ -1004,7 +1009,7 @@
           <a:p>
             <a:fld id="{62CB7080-7913-46D0-A1AB-EA27E3AD0FD3}" type="datetimeFigureOut">
               <a:rPr lang="fr-FR" smtClean="0"/>
-              <a:t>08/01/2016</a:t>
+              <a:t>23/02/2016</a:t>
             </a:fld>
             <a:endParaRPr lang="fr-FR"/>
           </a:p>
@@ -1236,7 +1241,7 @@
           <a:p>
             <a:fld id="{62CB7080-7913-46D0-A1AB-EA27E3AD0FD3}" type="datetimeFigureOut">
               <a:rPr lang="fr-FR" smtClean="0"/>
-              <a:t>08/01/2016</a:t>
+              <a:t>23/02/2016</a:t>
             </a:fld>
             <a:endParaRPr lang="fr-FR"/>
           </a:p>
@@ -1603,7 +1608,7 @@
           <a:p>
             <a:fld id="{62CB7080-7913-46D0-A1AB-EA27E3AD0FD3}" type="datetimeFigureOut">
               <a:rPr lang="fr-FR" smtClean="0"/>
-              <a:t>08/01/2016</a:t>
+              <a:t>23/02/2016</a:t>
             </a:fld>
             <a:endParaRPr lang="fr-FR"/>
           </a:p>
@@ -1721,7 +1726,7 @@
           <a:p>
             <a:fld id="{62CB7080-7913-46D0-A1AB-EA27E3AD0FD3}" type="datetimeFigureOut">
               <a:rPr lang="fr-FR" smtClean="0"/>
-              <a:t>08/01/2016</a:t>
+              <a:t>23/02/2016</a:t>
             </a:fld>
             <a:endParaRPr lang="fr-FR"/>
           </a:p>
@@ -1816,7 +1821,7 @@
           <a:p>
             <a:fld id="{62CB7080-7913-46D0-A1AB-EA27E3AD0FD3}" type="datetimeFigureOut">
               <a:rPr lang="fr-FR" smtClean="0"/>
-              <a:t>08/01/2016</a:t>
+              <a:t>23/02/2016</a:t>
             </a:fld>
             <a:endParaRPr lang="fr-FR"/>
           </a:p>
@@ -2093,7 +2098,7 @@
           <a:p>
             <a:fld id="{62CB7080-7913-46D0-A1AB-EA27E3AD0FD3}" type="datetimeFigureOut">
               <a:rPr lang="fr-FR" smtClean="0"/>
-              <a:t>08/01/2016</a:t>
+              <a:t>23/02/2016</a:t>
             </a:fld>
             <a:endParaRPr lang="fr-FR"/>
           </a:p>
@@ -2346,7 +2351,7 @@
           <a:p>
             <a:fld id="{62CB7080-7913-46D0-A1AB-EA27E3AD0FD3}" type="datetimeFigureOut">
               <a:rPr lang="fr-FR" smtClean="0"/>
-              <a:t>08/01/2016</a:t>
+              <a:t>23/02/2016</a:t>
             </a:fld>
             <a:endParaRPr lang="fr-FR"/>
           </a:p>
@@ -2559,7 +2564,7 @@
           <a:p>
             <a:fld id="{62CB7080-7913-46D0-A1AB-EA27E3AD0FD3}" type="datetimeFigureOut">
               <a:rPr lang="fr-FR" smtClean="0"/>
-              <a:t>08/01/2016</a:t>
+              <a:t>23/02/2016</a:t>
             </a:fld>
             <a:endParaRPr lang="fr-FR"/>
           </a:p>
@@ -3005,12 +3010,12 @@
               <a:t>Commande entièrement </a:t>
             </a:r>
             <a:r>
-              <a:rPr lang="fr-FR" dirty="0" err="1" smtClean="0"/>
-              <a:t>recue</a:t>
-            </a:r>
-            <a:r>
               <a:rPr lang="fr-FR" dirty="0" smtClean="0"/>
-              <a:t> ?</a:t>
+              <a:t>reçue </a:t>
+            </a:r>
+            <a:r>
+              <a:rPr lang="fr-FR" dirty="0" smtClean="0"/>
+              <a:t>?</a:t>
             </a:r>
             <a:endParaRPr lang="fr-FR" dirty="0"/>
           </a:p>
